--- a/C#/Presentation/c#.pptx
+++ b/C#/Presentation/c#.pptx
@@ -154,13 +154,13 @@
 <p1510:revInfo xmlns:a="http://schemas.openxmlformats.org/drawingml/2006/main" xmlns:r="http://schemas.openxmlformats.org/officeDocument/2006/relationships" xmlns:p1510="http://schemas.microsoft.com/office/powerpoint/2015/10/main">
   <p1510:revLst>
     <p1510:client id="{02D26A81-819B-4782-A069-32E773C96576}" v="3" dt="2023-04-21T06:25:55.868"/>
+    <p1510:client id="{48062F1F-D504-4280-9DD8-0855989FEB7E}" v="72" dt="2023-04-24T04:20:50.068"/>
     <p1510:client id="{2C7D5260-15A1-4312-A7D3-BF16281F93FA}" v="825" dt="2023-04-21T10:14:37.073"/>
+    <p1510:client id="{F959D6A8-E377-4232-90F8-F3EF1FF48F1C}" v="1244" dt="2023-04-24T07:03:12.077"/>
     <p1510:client id="{3160DAA2-CAE2-4D05-9989-F483F1B15294}" v="2" dt="2023-04-21T06:19:48.360"/>
-    <p1510:client id="{48062F1F-D504-4280-9DD8-0855989FEB7E}" v="72" dt="2023-04-24T04:20:50.068"/>
     <p1510:client id="{702F8244-3B46-4CE9-8F58-27968A877162}" v="23" dt="2023-04-21T06:47:08.543"/>
     <p1510:client id="{74561685-FCB9-4D0A-AF2D-3FEBE632E76F}" v="47" dt="2023-04-21T06:54:54.130"/>
     <p1510:client id="{8EE10BDD-2E47-47AE-BB47-5DDAD043DDA8}" v="14" dt="2023-04-21T06:41:38.520"/>
-    <p1510:client id="{F959D6A8-E377-4232-90F8-F3EF1FF48F1C}" v="1244" dt="2023-04-24T07:03:12.077"/>
   </p1510:revLst>
 </p1510:revInfo>
 </file>
@@ -18658,7 +18658,7 @@
           <a:p>
             <a:fld id="{C764DE79-268F-4C1A-8933-263129D2AF90}" type="datetimeFigureOut">
               <a:rPr lang="en-US" dirty="0"/>
-              <a:t>11/19/2024</a:t>
+              <a:t>1/11/2025</a:t>
             </a:fld>
             <a:endParaRPr lang="en-US"/>
           </a:p>
@@ -18826,7 +18826,7 @@
           <a:p>
             <a:fld id="{C764DE79-268F-4C1A-8933-263129D2AF90}" type="datetimeFigureOut">
               <a:rPr lang="en-US" dirty="0"/>
-              <a:t>11/19/2024</a:t>
+              <a:t>1/11/2025</a:t>
             </a:fld>
             <a:endParaRPr lang="en-US"/>
           </a:p>
@@ -19004,7 +19004,7 @@
           <a:p>
             <a:fld id="{C764DE79-268F-4C1A-8933-263129D2AF90}" type="datetimeFigureOut">
               <a:rPr lang="en-US" dirty="0"/>
-              <a:t>11/19/2024</a:t>
+              <a:t>1/11/2025</a:t>
             </a:fld>
             <a:endParaRPr lang="en-US"/>
           </a:p>
@@ -19172,7 +19172,7 @@
           <a:p>
             <a:fld id="{C764DE79-268F-4C1A-8933-263129D2AF90}" type="datetimeFigureOut">
               <a:rPr lang="en-US" dirty="0"/>
-              <a:t>11/19/2024</a:t>
+              <a:t>1/11/2025</a:t>
             </a:fld>
             <a:endParaRPr lang="en-US"/>
           </a:p>
@@ -19417,7 +19417,7 @@
           <a:p>
             <a:fld id="{C764DE79-268F-4C1A-8933-263129D2AF90}" type="datetimeFigureOut">
               <a:rPr lang="en-US" dirty="0"/>
-              <a:t>11/19/2024</a:t>
+              <a:t>1/11/2025</a:t>
             </a:fld>
             <a:endParaRPr lang="en-US"/>
           </a:p>
@@ -19646,7 +19646,7 @@
           <a:p>
             <a:fld id="{C764DE79-268F-4C1A-8933-263129D2AF90}" type="datetimeFigureOut">
               <a:rPr lang="en-US" dirty="0"/>
-              <a:t>11/19/2024</a:t>
+              <a:t>1/11/2025</a:t>
             </a:fld>
             <a:endParaRPr lang="en-US"/>
           </a:p>
@@ -20010,7 +20010,7 @@
           <a:p>
             <a:fld id="{C764DE79-268F-4C1A-8933-263129D2AF90}" type="datetimeFigureOut">
               <a:rPr lang="en-US" dirty="0"/>
-              <a:t>11/19/2024</a:t>
+              <a:t>1/11/2025</a:t>
             </a:fld>
             <a:endParaRPr lang="en-US"/>
           </a:p>
@@ -20127,7 +20127,7 @@
           <a:p>
             <a:fld id="{C764DE79-268F-4C1A-8933-263129D2AF90}" type="datetimeFigureOut">
               <a:rPr lang="en-US" dirty="0"/>
-              <a:t>11/19/2024</a:t>
+              <a:t>1/11/2025</a:t>
             </a:fld>
             <a:endParaRPr lang="en-US"/>
           </a:p>
@@ -20222,7 +20222,7 @@
           <a:p>
             <a:fld id="{C764DE79-268F-4C1A-8933-263129D2AF90}" type="datetimeFigureOut">
               <a:rPr lang="en-US" dirty="0"/>
-              <a:t>11/19/2024</a:t>
+              <a:t>1/11/2025</a:t>
             </a:fld>
             <a:endParaRPr lang="en-US"/>
           </a:p>
@@ -20497,7 +20497,7 @@
           <a:p>
             <a:fld id="{C764DE79-268F-4C1A-8933-263129D2AF90}" type="datetimeFigureOut">
               <a:rPr lang="en-US" dirty="0"/>
-              <a:t>11/19/2024</a:t>
+              <a:t>1/11/2025</a:t>
             </a:fld>
             <a:endParaRPr lang="en-US"/>
           </a:p>
@@ -20749,7 +20749,7 @@
           <a:p>
             <a:fld id="{C764DE79-268F-4C1A-8933-263129D2AF90}" type="datetimeFigureOut">
               <a:rPr lang="en-US" dirty="0"/>
-              <a:t>11/19/2024</a:t>
+              <a:t>1/11/2025</a:t>
             </a:fld>
             <a:endParaRPr lang="en-US"/>
           </a:p>
@@ -20960,7 +20960,7 @@
           <a:p>
             <a:fld id="{C764DE79-268F-4C1A-8933-263129D2AF90}" type="datetimeFigureOut">
               <a:rPr lang="en-US" dirty="0"/>
-              <a:t>11/19/2024</a:t>
+              <a:t>1/11/2025</a:t>
             </a:fld>
             <a:endParaRPr lang="en-US"/>
           </a:p>
@@ -21454,7 +21454,7 @@
         </p:blipFill>
         <p:spPr>
           <a:xfrm>
-            <a:off x="4821287" y="348856"/>
+            <a:off x="3318242" y="1470893"/>
             <a:ext cx="7047273" cy="6160289"/>
           </a:xfrm>
           <a:custGeom>
